--- a/PPT/卒業研究.pptx
+++ b/PPT/卒業研究.pptx
@@ -2773,11 +2773,11 @@
         </c:dLbls>
         <c:marker val="1"/>
         <c:smooth val="0"/>
-        <c:axId val="33164288"/>
-        <c:axId val="33182848"/>
+        <c:axId val="32459392"/>
+        <c:axId val="32465664"/>
       </c:lineChart>
       <c:catAx>
-        <c:axId val="33164288"/>
+        <c:axId val="32459392"/>
         <c:scaling>
           <c:orientation val="minMax"/>
         </c:scaling>
@@ -2807,7 +2807,7 @@
         <c:majorTickMark val="out"/>
         <c:minorTickMark val="none"/>
         <c:tickLblPos val="nextTo"/>
-        <c:crossAx val="33182848"/>
+        <c:crossAx val="32465664"/>
         <c:crosses val="autoZero"/>
         <c:auto val="1"/>
         <c:lblAlgn val="ctr"/>
@@ -2817,7 +2817,7 @@
         <c:noMultiLvlLbl val="0"/>
       </c:catAx>
       <c:valAx>
-        <c:axId val="33182848"/>
+        <c:axId val="32465664"/>
         <c:scaling>
           <c:orientation val="minMax"/>
         </c:scaling>
@@ -2847,7 +2847,7 @@
         <c:majorTickMark val="none"/>
         <c:minorTickMark val="none"/>
         <c:tickLblPos val="nextTo"/>
-        <c:crossAx val="33164288"/>
+        <c:crossAx val="32459392"/>
         <c:crosses val="autoZero"/>
         <c:crossBetween val="midCat"/>
       </c:valAx>
@@ -5503,11 +5503,11 @@
         </c:dLbls>
         <c:marker val="1"/>
         <c:smooth val="0"/>
-        <c:axId val="55718656"/>
-        <c:axId val="55720576"/>
+        <c:axId val="32334592"/>
+        <c:axId val="32336512"/>
       </c:lineChart>
       <c:catAx>
-        <c:axId val="55718656"/>
+        <c:axId val="32334592"/>
         <c:scaling>
           <c:orientation val="minMax"/>
         </c:scaling>
@@ -5536,7 +5536,7 @@
         <c:majorTickMark val="out"/>
         <c:minorTickMark val="none"/>
         <c:tickLblPos val="nextTo"/>
-        <c:crossAx val="55720576"/>
+        <c:crossAx val="32336512"/>
         <c:crosses val="autoZero"/>
         <c:auto val="1"/>
         <c:lblAlgn val="ctr"/>
@@ -5546,7 +5546,7 @@
         <c:noMultiLvlLbl val="0"/>
       </c:catAx>
       <c:valAx>
-        <c:axId val="55720576"/>
+        <c:axId val="32336512"/>
         <c:scaling>
           <c:orientation val="minMax"/>
         </c:scaling>
@@ -5576,7 +5576,7 @@
         <c:majorTickMark val="none"/>
         <c:minorTickMark val="none"/>
         <c:tickLblPos val="nextTo"/>
-        <c:crossAx val="55718656"/>
+        <c:crossAx val="32334592"/>
         <c:crossesAt val="1"/>
         <c:crossBetween val="between"/>
       </c:valAx>
@@ -5678,7 +5678,7 @@
           <a:p>
             <a:fld id="{74825FEB-C9F8-43E7-A6A0-63C03333387A}" type="datetimeFigureOut">
               <a:rPr kumimoji="1" lang="ja-JP" altLang="en-US" smtClean="0"/>
-              <a:t>2014/1/17</a:t>
+              <a:t>2014/1/20</a:t>
             </a:fld>
             <a:endParaRPr kumimoji="1" lang="ja-JP" altLang="en-US"/>
           </a:p>
@@ -5843,7 +5843,7 @@
           <a:p>
             <a:fld id="{7DF372ED-9A20-47C3-A076-E002DD6BB04D}" type="datetimeFigureOut">
               <a:rPr kumimoji="1" lang="ja-JP" altLang="en-US" smtClean="0"/>
-              <a:t>2014/1/17</a:t>
+              <a:t>2014/1/20</a:t>
             </a:fld>
             <a:endParaRPr kumimoji="1" lang="ja-JP" altLang="en-US"/>
           </a:p>
@@ -6280,9 +6280,92 @@
           <a:p>
             <a:r>
               <a:rPr kumimoji="1" lang="ja-JP" altLang="en-US" dirty="0" smtClean="0"/>
-              <a:t>＋実際の免疫機構の経過の違いを比べてみる</a:t>
-            </a:r>
-            <a:endParaRPr kumimoji="1" lang="ja-JP" altLang="en-US" dirty="0"/>
+              <a:t>＋エージェントが</a:t>
+            </a:r>
+            <a:r>
+              <a:rPr kumimoji="1" lang="en-US" altLang="ja-JP" dirty="0" smtClean="0"/>
+              <a:t>11010</a:t>
+            </a:r>
+            <a:r>
+              <a:rPr kumimoji="1" lang="ja-JP" altLang="en-US" dirty="0" err="1" smtClean="0"/>
+              <a:t>、</a:t>
+            </a:r>
+            <a:r>
+              <a:rPr kumimoji="1" lang="ja-JP" altLang="en-US" dirty="0" smtClean="0"/>
+              <a:t>ウイルスが</a:t>
+            </a:r>
+            <a:r>
+              <a:rPr kumimoji="1" lang="en-US" altLang="ja-JP" dirty="0" smtClean="0"/>
+              <a:t>011</a:t>
+            </a:r>
+            <a:r>
+              <a:rPr kumimoji="1" lang="ja-JP" altLang="en-US" dirty="0" smtClean="0"/>
+              <a:t>の場合を例にとる</a:t>
+            </a:r>
+            <a:endParaRPr kumimoji="1" lang="en-US" altLang="ja-JP" dirty="0" smtClean="0"/>
+          </a:p>
+          <a:p>
+            <a:r>
+              <a:rPr kumimoji="1" lang="ja-JP" altLang="en-US" dirty="0" smtClean="0"/>
+              <a:t>＋この場合、エージェントのタグは、ウイルスのタグを完全には含まないので、このエージェントは免疫を獲得していない</a:t>
+            </a:r>
+            <a:endParaRPr kumimoji="1" lang="en-US" altLang="ja-JP" dirty="0" smtClean="0"/>
+          </a:p>
+          <a:p>
+            <a:r>
+              <a:rPr kumimoji="1" lang="ja-JP" altLang="en-US" dirty="0" smtClean="0"/>
+              <a:t>＋ウイルスは、左から順に、エージェントのタグと自分のタグを比べて、違う数字の個数を数える</a:t>
+            </a:r>
+            <a:endParaRPr kumimoji="1" lang="en-US" altLang="ja-JP" dirty="0" smtClean="0"/>
+          </a:p>
+          <a:p>
+            <a:r>
+              <a:rPr kumimoji="1" lang="ja-JP" altLang="en-US" dirty="0" smtClean="0"/>
+              <a:t>＋この違う数字の個数を、ハミング距離という</a:t>
+            </a:r>
+            <a:endParaRPr kumimoji="1" lang="en-US" altLang="ja-JP" dirty="0" smtClean="0"/>
+          </a:p>
+          <a:p>
+            <a:r>
+              <a:rPr kumimoji="1" lang="ja-JP" altLang="en-US" dirty="0" smtClean="0"/>
+              <a:t>＋ウイルスは、ハミング距離が最少となる場所にとりつく。つまり最少ハミング距離。</a:t>
+            </a:r>
+            <a:endParaRPr kumimoji="1" lang="en-US" altLang="ja-JP" dirty="0" smtClean="0"/>
+          </a:p>
+          <a:p>
+            <a:r>
+              <a:rPr kumimoji="1" lang="ja-JP" altLang="en-US" dirty="0" smtClean="0"/>
+              <a:t>＋エージェントは、免疫をかくとくするため、つまりウイルスと同じタグを保有するために、１期間に１つだけタグをフリップする。</a:t>
+            </a:r>
+            <a:endParaRPr kumimoji="1" lang="en-US" altLang="ja-JP" dirty="0" smtClean="0"/>
+          </a:p>
+          <a:p>
+            <a:r>
+              <a:rPr kumimoji="1" lang="ja-JP" altLang="en-US" dirty="0" smtClean="0"/>
+              <a:t>＋フリップするとは、０から１に、または１から０にすることである</a:t>
+            </a:r>
+            <a:endParaRPr kumimoji="1" lang="en-US" altLang="ja-JP" dirty="0" smtClean="0"/>
+          </a:p>
+          <a:p>
+            <a:r>
+              <a:rPr kumimoji="1" lang="ja-JP" altLang="en-US" dirty="0" smtClean="0"/>
+              <a:t>＋こうしてタグフリップをすることによって、エージェントはウイルスと同じタグを完全に持つことになる</a:t>
+            </a:r>
+            <a:endParaRPr kumimoji="1" lang="en-US" altLang="ja-JP" dirty="0" smtClean="0"/>
+          </a:p>
+          <a:p>
+            <a:r>
+              <a:rPr kumimoji="1" lang="ja-JP" altLang="en-US" dirty="0" smtClean="0"/>
+              <a:t>＋結果、エージェントは免疫を獲得する</a:t>
+            </a:r>
+            <a:endParaRPr kumimoji="1" lang="en-US" altLang="ja-JP" dirty="0" smtClean="0"/>
+          </a:p>
+          <a:p>
+            <a:r>
+              <a:rPr kumimoji="1" lang="ja-JP" altLang="en-US" dirty="0" smtClean="0"/>
+              <a:t>＋免疫を獲得した時点で、ウイルスは離れる</a:t>
+            </a:r>
+            <a:endParaRPr kumimoji="1" lang="en-US" altLang="ja-JP" dirty="0" smtClean="0"/>
           </a:p>
         </p:txBody>
       </p:sp>
@@ -6303,7 +6386,7 @@
           <a:p>
             <a:fld id="{FEFB3154-A281-48F2-8DC9-C99E29F1ECF4}" type="slidenum">
               <a:rPr kumimoji="1" lang="ja-JP" altLang="en-US" smtClean="0"/>
-              <a:t>12</a:t>
+              <a:t>11</a:t>
             </a:fld>
             <a:endParaRPr kumimoji="1" lang="ja-JP" altLang="en-US"/>
           </a:p>
@@ -6312,7 +6395,7 @@
     </p:spTree>
     <p:extLst>
       <p:ext uri="{BB962C8B-B14F-4D97-AF65-F5344CB8AC3E}">
-        <p14:creationId xmlns:p14="http://schemas.microsoft.com/office/powerpoint/2010/main" val="2853416026"/>
+        <p14:creationId xmlns:p14="http://schemas.microsoft.com/office/powerpoint/2010/main" val="2781046782"/>
       </p:ext>
     </p:extLst>
   </p:cSld>
@@ -6366,7 +6449,18 @@
           <a:bodyPr/>
           <a:lstStyle/>
           <a:p>
-            <a:endParaRPr kumimoji="1" lang="ja-JP" altLang="en-US"/>
+            <a:r>
+              <a:rPr kumimoji="1" lang="ja-JP" altLang="en-US" dirty="0" smtClean="0"/>
+              <a:t>＃　伝える内容</a:t>
+            </a:r>
+            <a:endParaRPr kumimoji="1" lang="en-US" altLang="ja-JP" dirty="0" smtClean="0"/>
+          </a:p>
+          <a:p>
+            <a:r>
+              <a:rPr kumimoji="1" lang="ja-JP" altLang="en-US" dirty="0" smtClean="0"/>
+              <a:t>＋実際の免疫機構の経過の違いを比べてみる</a:t>
+            </a:r>
+            <a:endParaRPr kumimoji="1" lang="ja-JP" altLang="en-US" dirty="0"/>
           </a:p>
         </p:txBody>
       </p:sp>
@@ -6387,7 +6481,7 @@
           <a:p>
             <a:fld id="{FEFB3154-A281-48F2-8DC9-C99E29F1ECF4}" type="slidenum">
               <a:rPr kumimoji="1" lang="ja-JP" altLang="en-US" smtClean="0"/>
-              <a:t>13</a:t>
+              <a:t>12</a:t>
             </a:fld>
             <a:endParaRPr kumimoji="1" lang="ja-JP" altLang="en-US"/>
           </a:p>
@@ -6396,7 +6490,7 @@
     </p:spTree>
     <p:extLst>
       <p:ext uri="{BB962C8B-B14F-4D97-AF65-F5344CB8AC3E}">
-        <p14:creationId xmlns:p14="http://schemas.microsoft.com/office/powerpoint/2010/main" val="1816905889"/>
+        <p14:creationId xmlns:p14="http://schemas.microsoft.com/office/powerpoint/2010/main" val="2853416026"/>
       </p:ext>
     </p:extLst>
   </p:cSld>
@@ -6450,7 +6544,7 @@
           <a:bodyPr/>
           <a:lstStyle/>
           <a:p>
-            <a:endParaRPr kumimoji="1" lang="ja-JP" altLang="en-US" dirty="0"/>
+            <a:endParaRPr kumimoji="1" lang="ja-JP" altLang="en-US"/>
           </a:p>
         </p:txBody>
       </p:sp>
@@ -6471,7 +6565,7 @@
           <a:p>
             <a:fld id="{FEFB3154-A281-48F2-8DC9-C99E29F1ECF4}" type="slidenum">
               <a:rPr kumimoji="1" lang="ja-JP" altLang="en-US" smtClean="0"/>
-              <a:t>14</a:t>
+              <a:t>13</a:t>
             </a:fld>
             <a:endParaRPr kumimoji="1" lang="ja-JP" altLang="en-US"/>
           </a:p>
@@ -6480,7 +6574,7 @@
     </p:spTree>
     <p:extLst>
       <p:ext uri="{BB962C8B-B14F-4D97-AF65-F5344CB8AC3E}">
-        <p14:creationId xmlns:p14="http://schemas.microsoft.com/office/powerpoint/2010/main" val="2603317105"/>
+        <p14:creationId xmlns:p14="http://schemas.microsoft.com/office/powerpoint/2010/main" val="1816905889"/>
       </p:ext>
     </p:extLst>
   </p:cSld>
@@ -6534,7 +6628,7 @@
           <a:bodyPr/>
           <a:lstStyle/>
           <a:p>
-            <a:endParaRPr kumimoji="1" lang="ja-JP" altLang="en-US"/>
+            <a:endParaRPr kumimoji="1" lang="ja-JP" altLang="en-US" dirty="0"/>
           </a:p>
         </p:txBody>
       </p:sp>
@@ -6555,7 +6649,7 @@
           <a:p>
             <a:fld id="{FEFB3154-A281-48F2-8DC9-C99E29F1ECF4}" type="slidenum">
               <a:rPr kumimoji="1" lang="ja-JP" altLang="en-US" smtClean="0"/>
-              <a:t>16</a:t>
+              <a:t>14</a:t>
             </a:fld>
             <a:endParaRPr kumimoji="1" lang="ja-JP" altLang="en-US"/>
           </a:p>
@@ -6564,7 +6658,7 @@
     </p:spTree>
     <p:extLst>
       <p:ext uri="{BB962C8B-B14F-4D97-AF65-F5344CB8AC3E}">
-        <p14:creationId xmlns:p14="http://schemas.microsoft.com/office/powerpoint/2010/main" val="2334585315"/>
+        <p14:creationId xmlns:p14="http://schemas.microsoft.com/office/powerpoint/2010/main" val="2603317105"/>
       </p:ext>
     </p:extLst>
   </p:cSld>
@@ -6618,7 +6712,7 @@
           <a:bodyPr/>
           <a:lstStyle/>
           <a:p>
-            <a:endParaRPr kumimoji="1" lang="ja-JP" altLang="en-US" dirty="0"/>
+            <a:endParaRPr kumimoji="1" lang="ja-JP" altLang="en-US"/>
           </a:p>
         </p:txBody>
       </p:sp>
@@ -6639,7 +6733,7 @@
           <a:p>
             <a:fld id="{FEFB3154-A281-48F2-8DC9-C99E29F1ECF4}" type="slidenum">
               <a:rPr kumimoji="1" lang="ja-JP" altLang="en-US" smtClean="0"/>
-              <a:t>17</a:t>
+              <a:t>16</a:t>
             </a:fld>
             <a:endParaRPr kumimoji="1" lang="ja-JP" altLang="en-US"/>
           </a:p>
@@ -6648,7 +6742,7 @@
     </p:spTree>
     <p:extLst>
       <p:ext uri="{BB962C8B-B14F-4D97-AF65-F5344CB8AC3E}">
-        <p14:creationId xmlns:p14="http://schemas.microsoft.com/office/powerpoint/2010/main" val="88015040"/>
+        <p14:creationId xmlns:p14="http://schemas.microsoft.com/office/powerpoint/2010/main" val="2334585315"/>
       </p:ext>
     </p:extLst>
   </p:cSld>
@@ -6702,7 +6796,7 @@
           <a:bodyPr/>
           <a:lstStyle/>
           <a:p>
-            <a:endParaRPr kumimoji="1" lang="ja-JP" altLang="en-US"/>
+            <a:endParaRPr kumimoji="1" lang="ja-JP" altLang="en-US" dirty="0"/>
           </a:p>
         </p:txBody>
       </p:sp>
@@ -6723,7 +6817,7 @@
           <a:p>
             <a:fld id="{FEFB3154-A281-48F2-8DC9-C99E29F1ECF4}" type="slidenum">
               <a:rPr kumimoji="1" lang="ja-JP" altLang="en-US" smtClean="0"/>
-              <a:t>18</a:t>
+              <a:t>17</a:t>
             </a:fld>
             <a:endParaRPr kumimoji="1" lang="ja-JP" altLang="en-US"/>
           </a:p>
@@ -6732,7 +6826,7 @@
     </p:spTree>
     <p:extLst>
       <p:ext uri="{BB962C8B-B14F-4D97-AF65-F5344CB8AC3E}">
-        <p14:creationId xmlns:p14="http://schemas.microsoft.com/office/powerpoint/2010/main" val="3782568936"/>
+        <p14:creationId xmlns:p14="http://schemas.microsoft.com/office/powerpoint/2010/main" val="88015040"/>
       </p:ext>
     </p:extLst>
   </p:cSld>
@@ -6807,7 +6901,7 @@
           <a:p>
             <a:fld id="{FEFB3154-A281-48F2-8DC9-C99E29F1ECF4}" type="slidenum">
               <a:rPr kumimoji="1" lang="ja-JP" altLang="en-US" smtClean="0"/>
-              <a:t>21</a:t>
+              <a:t>18</a:t>
             </a:fld>
             <a:endParaRPr kumimoji="1" lang="ja-JP" altLang="en-US"/>
           </a:p>
@@ -6816,7 +6910,7 @@
     </p:spTree>
     <p:extLst>
       <p:ext uri="{BB962C8B-B14F-4D97-AF65-F5344CB8AC3E}">
-        <p14:creationId xmlns:p14="http://schemas.microsoft.com/office/powerpoint/2010/main" val="966408925"/>
+        <p14:creationId xmlns:p14="http://schemas.microsoft.com/office/powerpoint/2010/main" val="3782568936"/>
       </p:ext>
     </p:extLst>
   </p:cSld>
@@ -6870,6 +6964,90 @@
           <a:bodyPr/>
           <a:lstStyle/>
           <a:p>
+            <a:endParaRPr kumimoji="1" lang="ja-JP" altLang="en-US"/>
+          </a:p>
+        </p:txBody>
+      </p:sp>
+      <p:sp>
+        <p:nvSpPr>
+          <p:cNvPr id="4" name="スライド番号プレースホルダー 3"/>
+          <p:cNvSpPr>
+            <a:spLocks noGrp="1"/>
+          </p:cNvSpPr>
+          <p:nvPr>
+            <p:ph type="sldNum" sz="quarter" idx="10"/>
+          </p:nvPr>
+        </p:nvSpPr>
+        <p:spPr/>
+        <p:txBody>
+          <a:bodyPr/>
+          <a:lstStyle/>
+          <a:p>
+            <a:fld id="{FEFB3154-A281-48F2-8DC9-C99E29F1ECF4}" type="slidenum">
+              <a:rPr kumimoji="1" lang="ja-JP" altLang="en-US" smtClean="0"/>
+              <a:t>21</a:t>
+            </a:fld>
+            <a:endParaRPr kumimoji="1" lang="ja-JP" altLang="en-US"/>
+          </a:p>
+        </p:txBody>
+      </p:sp>
+    </p:spTree>
+    <p:extLst>
+      <p:ext uri="{BB962C8B-B14F-4D97-AF65-F5344CB8AC3E}">
+        <p14:creationId xmlns:p14="http://schemas.microsoft.com/office/powerpoint/2010/main" val="966408925"/>
+      </p:ext>
+    </p:extLst>
+  </p:cSld>
+  <p:clrMapOvr>
+    <a:masterClrMapping/>
+  </p:clrMapOvr>
+</p:notes>
+</file>
+
+<file path=ppt/notesSlides/notesSlide18.xml><?xml version="1.0" encoding="utf-8"?>
+<p:notes xmlns:a="http://schemas.openxmlformats.org/drawingml/2006/main" xmlns:r="http://schemas.openxmlformats.org/officeDocument/2006/relationships" xmlns:p="http://schemas.openxmlformats.org/presentationml/2006/main">
+  <p:cSld>
+    <p:spTree>
+      <p:nvGrpSpPr>
+        <p:cNvPr id="1" name=""/>
+        <p:cNvGrpSpPr/>
+        <p:nvPr/>
+      </p:nvGrpSpPr>
+      <p:grpSpPr>
+        <a:xfrm>
+          <a:off x="0" y="0"/>
+          <a:ext cx="0" cy="0"/>
+          <a:chOff x="0" y="0"/>
+          <a:chExt cx="0" cy="0"/>
+        </a:xfrm>
+      </p:grpSpPr>
+      <p:sp>
+        <p:nvSpPr>
+          <p:cNvPr id="2" name="スライド イメージ プレースホルダー 1"/>
+          <p:cNvSpPr>
+            <a:spLocks noGrp="1" noRot="1" noChangeAspect="1"/>
+          </p:cNvSpPr>
+          <p:nvPr>
+            <p:ph type="sldImg"/>
+          </p:nvPr>
+        </p:nvSpPr>
+        <p:spPr/>
+      </p:sp>
+      <p:sp>
+        <p:nvSpPr>
+          <p:cNvPr id="3" name="ノート プレースホルダー 2"/>
+          <p:cNvSpPr>
+            <a:spLocks noGrp="1"/>
+          </p:cNvSpPr>
+          <p:nvPr>
+            <p:ph type="body" idx="1"/>
+          </p:nvPr>
+        </p:nvSpPr>
+        <p:spPr/>
+        <p:txBody>
+          <a:bodyPr/>
+          <a:lstStyle/>
+          <a:p>
             <a:r>
               <a:rPr kumimoji="1" lang="ja-JP" altLang="en-US" dirty="0" smtClean="0"/>
               <a:t>＋</a:t>
@@ -6922,7 +7100,7 @@
 </p:notes>
 </file>
 
-<file path=ppt/notesSlides/notesSlide18.xml><?xml version="1.0" encoding="utf-8"?>
+<file path=ppt/notesSlides/notesSlide19.xml><?xml version="1.0" encoding="utf-8"?>
 <p:notes xmlns:a="http://schemas.openxmlformats.org/drawingml/2006/main" xmlns:r="http://schemas.openxmlformats.org/officeDocument/2006/relationships" xmlns:p="http://schemas.openxmlformats.org/presentationml/2006/main">
   <p:cSld>
     <p:spTree>
@@ -7438,6 +7616,10 @@
           <a:bodyPr/>
           <a:lstStyle/>
           <a:p>
+            <a:r>
+              <a:rPr kumimoji="1" lang="ja-JP" altLang="en-US" dirty="0" smtClean="0"/>
+              <a:t>細かなモデルの作りこみが可能</a:t>
+            </a:r>
             <a:endParaRPr kumimoji="1" lang="ja-JP" altLang="en-US" dirty="0"/>
           </a:p>
         </p:txBody>
@@ -7459,7 +7641,7 @@
           <a:p>
             <a:fld id="{FEFB3154-A281-48F2-8DC9-C99E29F1ECF4}" type="slidenum">
               <a:rPr kumimoji="1" lang="ja-JP" altLang="en-US" smtClean="0"/>
-              <a:t>7</a:t>
+              <a:t>6</a:t>
             </a:fld>
             <a:endParaRPr kumimoji="1" lang="ja-JP" altLang="en-US"/>
           </a:p>
@@ -7468,7 +7650,7 @@
     </p:spTree>
     <p:extLst>
       <p:ext uri="{BB962C8B-B14F-4D97-AF65-F5344CB8AC3E}">
-        <p14:creationId xmlns:p14="http://schemas.microsoft.com/office/powerpoint/2010/main" val="1903063822"/>
+        <p14:creationId xmlns:p14="http://schemas.microsoft.com/office/powerpoint/2010/main" val="3652086886"/>
       </p:ext>
     </p:extLst>
   </p:cSld>
@@ -7522,7 +7704,7 @@
           <a:bodyPr/>
           <a:lstStyle/>
           <a:p>
-            <a:endParaRPr kumimoji="1" lang="ja-JP" altLang="en-US"/>
+            <a:endParaRPr kumimoji="1" lang="ja-JP" altLang="en-US" dirty="0"/>
           </a:p>
         </p:txBody>
       </p:sp>
@@ -7543,7 +7725,7 @@
           <a:p>
             <a:fld id="{FEFB3154-A281-48F2-8DC9-C99E29F1ECF4}" type="slidenum">
               <a:rPr kumimoji="1" lang="ja-JP" altLang="en-US" smtClean="0"/>
-              <a:t>8</a:t>
+              <a:t>7</a:t>
             </a:fld>
             <a:endParaRPr kumimoji="1" lang="ja-JP" altLang="en-US"/>
           </a:p>
@@ -7552,7 +7734,7 @@
     </p:spTree>
     <p:extLst>
       <p:ext uri="{BB962C8B-B14F-4D97-AF65-F5344CB8AC3E}">
-        <p14:creationId xmlns:p14="http://schemas.microsoft.com/office/powerpoint/2010/main" val="3426562675"/>
+        <p14:creationId xmlns:p14="http://schemas.microsoft.com/office/powerpoint/2010/main" val="1903063822"/>
       </p:ext>
     </p:extLst>
   </p:cSld>
@@ -7606,68 +7788,7 @@
           <a:bodyPr/>
           <a:lstStyle/>
           <a:p>
-            <a:r>
-              <a:rPr kumimoji="1" lang="ja-JP" altLang="en-US" dirty="0" smtClean="0"/>
-              <a:t>＃　伝える内容</a:t>
-            </a:r>
-            <a:endParaRPr kumimoji="1" lang="en-US" altLang="ja-JP" dirty="0" smtClean="0"/>
-          </a:p>
-          <a:p>
-            <a:r>
-              <a:rPr kumimoji="1" lang="ja-JP" altLang="en-US" dirty="0" smtClean="0"/>
-              <a:t>＋電子タグとは、ただの１と０の配列である</a:t>
-            </a:r>
-            <a:endParaRPr kumimoji="1" lang="en-US" altLang="ja-JP" dirty="0" smtClean="0"/>
-          </a:p>
-          <a:p>
-            <a:r>
-              <a:rPr kumimoji="1" lang="ja-JP" altLang="en-US" dirty="0" smtClean="0"/>
-              <a:t>＋エージェントとウイルスは、同じように電子タグを持っている</a:t>
-            </a:r>
-            <a:endParaRPr kumimoji="1" lang="en-US" altLang="ja-JP" dirty="0" smtClean="0"/>
-          </a:p>
-          <a:p>
-            <a:r>
-              <a:rPr kumimoji="1" lang="ja-JP" altLang="en-US" dirty="0" smtClean="0"/>
-              <a:t>＋必ずエージェントのタグのほうが、ウイルスのタグの長さより長い</a:t>
-            </a:r>
-            <a:endParaRPr kumimoji="1" lang="en-US" altLang="ja-JP" dirty="0" smtClean="0"/>
-          </a:p>
-          <a:p>
-            <a:r>
-              <a:rPr kumimoji="1" lang="ja-JP" altLang="en-US" dirty="0" smtClean="0"/>
-              <a:t>＋エージェントには２つの状態がある</a:t>
-            </a:r>
-            <a:endParaRPr kumimoji="1" lang="en-US" altLang="ja-JP" dirty="0" smtClean="0"/>
-          </a:p>
-          <a:p>
-            <a:r>
-              <a:rPr kumimoji="1" lang="en-US" altLang="ja-JP" dirty="0" smtClean="0"/>
-              <a:t>	</a:t>
-            </a:r>
-            <a:r>
-              <a:rPr kumimoji="1" lang="ja-JP" altLang="en-US" dirty="0" smtClean="0"/>
-              <a:t>＋ひとつは、免疫を獲得している状態で、ウイルスのタグを、含んでいる</a:t>
-            </a:r>
-            <a:endParaRPr kumimoji="1" lang="en-US" altLang="ja-JP" dirty="0" smtClean="0"/>
-          </a:p>
-          <a:p>
-            <a:r>
-              <a:rPr kumimoji="1" lang="en-US" altLang="ja-JP" dirty="0" smtClean="0"/>
-              <a:t>	</a:t>
-            </a:r>
-            <a:r>
-              <a:rPr kumimoji="1" lang="ja-JP" altLang="en-US" dirty="0" smtClean="0"/>
-              <a:t>＋もうひとつは、免疫を獲得していない状態で、ウイルスのタグを、完全に含まない</a:t>
-            </a:r>
-            <a:endParaRPr kumimoji="1" lang="en-US" altLang="ja-JP" dirty="0" smtClean="0"/>
-          </a:p>
-          <a:p>
-            <a:r>
-              <a:rPr kumimoji="1" lang="ja-JP" altLang="en-US" dirty="0" smtClean="0"/>
-              <a:t>＋例の場合、このウイルスに感染する可能性があるのは、下の、ウイルスのタグを含まないエージェントである</a:t>
-            </a:r>
-            <a:endParaRPr kumimoji="1" lang="en-US" altLang="ja-JP" dirty="0" smtClean="0"/>
+            <a:endParaRPr kumimoji="1" lang="ja-JP" altLang="en-US"/>
           </a:p>
         </p:txBody>
       </p:sp>
@@ -7688,7 +7809,7 @@
           <a:p>
             <a:fld id="{FEFB3154-A281-48F2-8DC9-C99E29F1ECF4}" type="slidenum">
               <a:rPr kumimoji="1" lang="ja-JP" altLang="en-US" smtClean="0"/>
-              <a:t>10</a:t>
+              <a:t>8</a:t>
             </a:fld>
             <a:endParaRPr kumimoji="1" lang="ja-JP" altLang="en-US"/>
           </a:p>
@@ -7697,7 +7818,7 @@
     </p:spTree>
     <p:extLst>
       <p:ext uri="{BB962C8B-B14F-4D97-AF65-F5344CB8AC3E}">
-        <p14:creationId xmlns:p14="http://schemas.microsoft.com/office/powerpoint/2010/main" val="1465942488"/>
+        <p14:creationId xmlns:p14="http://schemas.microsoft.com/office/powerpoint/2010/main" val="3426562675"/>
       </p:ext>
     </p:extLst>
   </p:cSld>
@@ -7760,90 +7881,57 @@
           <a:p>
             <a:r>
               <a:rPr kumimoji="1" lang="ja-JP" altLang="en-US" dirty="0" smtClean="0"/>
-              <a:t>＋エージェントが</a:t>
-            </a:r>
+              <a:t>＋電子タグとは、ただの１と０の配列である</a:t>
+            </a:r>
+            <a:endParaRPr kumimoji="1" lang="en-US" altLang="ja-JP" dirty="0" smtClean="0"/>
+          </a:p>
+          <a:p>
+            <a:r>
+              <a:rPr kumimoji="1" lang="ja-JP" altLang="en-US" dirty="0" smtClean="0"/>
+              <a:t>＋エージェントとウイルスは、同じように電子タグを持っている</a:t>
+            </a:r>
+            <a:endParaRPr kumimoji="1" lang="en-US" altLang="ja-JP" dirty="0" smtClean="0"/>
+          </a:p>
+          <a:p>
+            <a:r>
+              <a:rPr kumimoji="1" lang="ja-JP" altLang="en-US" dirty="0" smtClean="0"/>
+              <a:t>＋必ずエージェントのタグのほうが、ウイルスのタグの長さより長い</a:t>
+            </a:r>
+            <a:endParaRPr kumimoji="1" lang="en-US" altLang="ja-JP" dirty="0" smtClean="0"/>
+          </a:p>
+          <a:p>
+            <a:r>
+              <a:rPr kumimoji="1" lang="ja-JP" altLang="en-US" dirty="0" smtClean="0"/>
+              <a:t>＋エージェントには２つの状態がある</a:t>
+            </a:r>
+            <a:endParaRPr kumimoji="1" lang="en-US" altLang="ja-JP" dirty="0" smtClean="0"/>
+          </a:p>
+          <a:p>
             <a:r>
               <a:rPr kumimoji="1" lang="en-US" altLang="ja-JP" dirty="0" smtClean="0"/>
-              <a:t>11010</a:t>
-            </a:r>
-            <a:r>
-              <a:rPr kumimoji="1" lang="ja-JP" altLang="en-US" dirty="0" err="1" smtClean="0"/>
-              <a:t>、</a:t>
+              <a:t>	</a:t>
             </a:r>
             <a:r>
               <a:rPr kumimoji="1" lang="ja-JP" altLang="en-US" dirty="0" smtClean="0"/>
-              <a:t>ウイルスが</a:t>
-            </a:r>
+              <a:t>＋ひとつは、免疫を獲得している状態で、ウイルスのタグを、含んでいる</a:t>
+            </a:r>
+            <a:endParaRPr kumimoji="1" lang="en-US" altLang="ja-JP" dirty="0" smtClean="0"/>
+          </a:p>
+          <a:p>
             <a:r>
               <a:rPr kumimoji="1" lang="en-US" altLang="ja-JP" dirty="0" smtClean="0"/>
-              <a:t>011</a:t>
+              <a:t>	</a:t>
             </a:r>
             <a:r>
               <a:rPr kumimoji="1" lang="ja-JP" altLang="en-US" dirty="0" smtClean="0"/>
-              <a:t>の場合を例にとる</a:t>
+              <a:t>＋もうひとつは、免疫を獲得していない状態で、ウイルスのタグを、完全に含まない</a:t>
             </a:r>
             <a:endParaRPr kumimoji="1" lang="en-US" altLang="ja-JP" dirty="0" smtClean="0"/>
           </a:p>
           <a:p>
             <a:r>
               <a:rPr kumimoji="1" lang="ja-JP" altLang="en-US" dirty="0" smtClean="0"/>
-              <a:t>＋この場合、エージェントのタグは、ウイルスのタグを完全には含まないので、このエージェントは免疫を獲得していない</a:t>
-            </a:r>
-            <a:endParaRPr kumimoji="1" lang="en-US" altLang="ja-JP" dirty="0" smtClean="0"/>
-          </a:p>
-          <a:p>
-            <a:r>
-              <a:rPr kumimoji="1" lang="ja-JP" altLang="en-US" dirty="0" smtClean="0"/>
-              <a:t>＋ウイルスは、左から順に、エージェントのタグと自分のタグを比べて、違う数字の個数を数える</a:t>
-            </a:r>
-            <a:endParaRPr kumimoji="1" lang="en-US" altLang="ja-JP" dirty="0" smtClean="0"/>
-          </a:p>
-          <a:p>
-            <a:r>
-              <a:rPr kumimoji="1" lang="ja-JP" altLang="en-US" dirty="0" smtClean="0"/>
-              <a:t>＋この違う数字の個数を、ハミング距離という</a:t>
-            </a:r>
-            <a:endParaRPr kumimoji="1" lang="en-US" altLang="ja-JP" dirty="0" smtClean="0"/>
-          </a:p>
-          <a:p>
-            <a:r>
-              <a:rPr kumimoji="1" lang="ja-JP" altLang="en-US" dirty="0" smtClean="0"/>
-              <a:t>＋ウイルスは、ハミング距離が最少となる場所にとりつく。つまり最少ハミング距離。</a:t>
-            </a:r>
-            <a:endParaRPr kumimoji="1" lang="en-US" altLang="ja-JP" dirty="0" smtClean="0"/>
-          </a:p>
-          <a:p>
-            <a:r>
-              <a:rPr kumimoji="1" lang="ja-JP" altLang="en-US" dirty="0" smtClean="0"/>
-              <a:t>＋エージェントは、免疫をかくとくするため、つまりウイルスと同じタグを保有するために、１期間に１つだけタグをフリップする。</a:t>
-            </a:r>
-            <a:endParaRPr kumimoji="1" lang="en-US" altLang="ja-JP" dirty="0" smtClean="0"/>
-          </a:p>
-          <a:p>
-            <a:r>
-              <a:rPr kumimoji="1" lang="ja-JP" altLang="en-US" dirty="0" smtClean="0"/>
-              <a:t>＋フリップするとは、０から１に、または１から０にすることである</a:t>
-            </a:r>
-            <a:endParaRPr kumimoji="1" lang="en-US" altLang="ja-JP" dirty="0" smtClean="0"/>
-          </a:p>
-          <a:p>
-            <a:r>
-              <a:rPr kumimoji="1" lang="ja-JP" altLang="en-US" dirty="0" smtClean="0"/>
-              <a:t>＋こうしてタグフリップをすることによって、エージェントはウイルスと同じタグを完全に持つことになる</a:t>
-            </a:r>
-            <a:endParaRPr kumimoji="1" lang="en-US" altLang="ja-JP" dirty="0" smtClean="0"/>
-          </a:p>
-          <a:p>
-            <a:r>
-              <a:rPr kumimoji="1" lang="ja-JP" altLang="en-US" dirty="0" smtClean="0"/>
-              <a:t>＋結果、エージェントは免疫を獲得する</a:t>
-            </a:r>
-            <a:endParaRPr kumimoji="1" lang="en-US" altLang="ja-JP" dirty="0" smtClean="0"/>
-          </a:p>
-          <a:p>
-            <a:r>
-              <a:rPr kumimoji="1" lang="ja-JP" altLang="en-US" dirty="0" smtClean="0"/>
-              <a:t>＋免疫を獲得した時点で、ウイルスは離れる</a:t>
+              <a:t>＋例の場合、このウイルスに感染する可能性があるのは、下の、ウイルスのタグを含まないエージェントである</a:t>
             </a:r>
             <a:endParaRPr kumimoji="1" lang="en-US" altLang="ja-JP" dirty="0" smtClean="0"/>
           </a:p>
@@ -7866,7 +7954,7 @@
           <a:p>
             <a:fld id="{FEFB3154-A281-48F2-8DC9-C99E29F1ECF4}" type="slidenum">
               <a:rPr kumimoji="1" lang="ja-JP" altLang="en-US" smtClean="0"/>
-              <a:t>11</a:t>
+              <a:t>10</a:t>
             </a:fld>
             <a:endParaRPr kumimoji="1" lang="ja-JP" altLang="en-US"/>
           </a:p>
@@ -7875,7 +7963,7 @@
     </p:spTree>
     <p:extLst>
       <p:ext uri="{BB962C8B-B14F-4D97-AF65-F5344CB8AC3E}">
-        <p14:creationId xmlns:p14="http://schemas.microsoft.com/office/powerpoint/2010/main" val="2781046782"/>
+        <p14:creationId xmlns:p14="http://schemas.microsoft.com/office/powerpoint/2010/main" val="1465942488"/>
       </p:ext>
     </p:extLst>
   </p:cSld>
@@ -8066,7 +8154,7 @@
           <a:p>
             <a:fld id="{764389B5-BBD8-4BB5-AA3B-F6D4F6020998}" type="datetimeFigureOut">
               <a:rPr kumimoji="1" lang="ja-JP" altLang="en-US" smtClean="0"/>
-              <a:t>2014/1/17</a:t>
+              <a:t>2014/1/20</a:t>
             </a:fld>
             <a:endParaRPr kumimoji="1" lang="ja-JP" altLang="en-US"/>
           </a:p>
@@ -8268,7 +8356,7 @@
           <a:p>
             <a:fld id="{764389B5-BBD8-4BB5-AA3B-F6D4F6020998}" type="datetimeFigureOut">
               <a:rPr kumimoji="1" lang="ja-JP" altLang="en-US" smtClean="0"/>
-              <a:t>2014/1/17</a:t>
+              <a:t>2014/1/20</a:t>
             </a:fld>
             <a:endParaRPr kumimoji="1" lang="ja-JP" altLang="en-US"/>
           </a:p>
@@ -8480,7 +8568,7 @@
           <a:p>
             <a:fld id="{764389B5-BBD8-4BB5-AA3B-F6D4F6020998}" type="datetimeFigureOut">
               <a:rPr kumimoji="1" lang="ja-JP" altLang="en-US" smtClean="0"/>
-              <a:t>2014/1/17</a:t>
+              <a:t>2014/1/20</a:t>
             </a:fld>
             <a:endParaRPr kumimoji="1" lang="ja-JP" altLang="en-US"/>
           </a:p>
@@ -8682,7 +8770,7 @@
           <a:p>
             <a:fld id="{764389B5-BBD8-4BB5-AA3B-F6D4F6020998}" type="datetimeFigureOut">
               <a:rPr kumimoji="1" lang="ja-JP" altLang="en-US" smtClean="0"/>
-              <a:t>2014/1/17</a:t>
+              <a:t>2014/1/20</a:t>
             </a:fld>
             <a:endParaRPr kumimoji="1" lang="ja-JP" altLang="en-US"/>
           </a:p>
@@ -8928,7 +9016,7 @@
           <a:p>
             <a:fld id="{764389B5-BBD8-4BB5-AA3B-F6D4F6020998}" type="datetimeFigureOut">
               <a:rPr kumimoji="1" lang="ja-JP" altLang="en-US" smtClean="0"/>
-              <a:t>2014/1/17</a:t>
+              <a:t>2014/1/20</a:t>
             </a:fld>
             <a:endParaRPr kumimoji="1" lang="ja-JP" altLang="en-US"/>
           </a:p>
@@ -9280,7 +9368,7 @@
           <a:p>
             <a:fld id="{764389B5-BBD8-4BB5-AA3B-F6D4F6020998}" type="datetimeFigureOut">
               <a:rPr kumimoji="1" lang="ja-JP" altLang="en-US" smtClean="0"/>
-              <a:t>2014/1/17</a:t>
+              <a:t>2014/1/20</a:t>
             </a:fld>
             <a:endParaRPr kumimoji="1" lang="ja-JP" altLang="en-US"/>
           </a:p>
@@ -9766,7 +9854,7 @@
           <a:p>
             <a:fld id="{764389B5-BBD8-4BB5-AA3B-F6D4F6020998}" type="datetimeFigureOut">
               <a:rPr kumimoji="1" lang="ja-JP" altLang="en-US" smtClean="0"/>
-              <a:t>2014/1/17</a:t>
+              <a:t>2014/1/20</a:t>
             </a:fld>
             <a:endParaRPr kumimoji="1" lang="ja-JP" altLang="en-US"/>
           </a:p>
@@ -9884,7 +9972,7 @@
           <a:p>
             <a:fld id="{764389B5-BBD8-4BB5-AA3B-F6D4F6020998}" type="datetimeFigureOut">
               <a:rPr kumimoji="1" lang="ja-JP" altLang="en-US" smtClean="0"/>
-              <a:t>2014/1/17</a:t>
+              <a:t>2014/1/20</a:t>
             </a:fld>
             <a:endParaRPr kumimoji="1" lang="ja-JP" altLang="en-US"/>
           </a:p>
@@ -9979,7 +10067,7 @@
           <a:p>
             <a:fld id="{764389B5-BBD8-4BB5-AA3B-F6D4F6020998}" type="datetimeFigureOut">
               <a:rPr kumimoji="1" lang="ja-JP" altLang="en-US" smtClean="0"/>
-              <a:t>2014/1/17</a:t>
+              <a:t>2014/1/20</a:t>
             </a:fld>
             <a:endParaRPr kumimoji="1" lang="ja-JP" altLang="en-US"/>
           </a:p>
@@ -10288,7 +10376,7 @@
           <a:p>
             <a:fld id="{764389B5-BBD8-4BB5-AA3B-F6D4F6020998}" type="datetimeFigureOut">
               <a:rPr kumimoji="1" lang="ja-JP" altLang="en-US" smtClean="0"/>
-              <a:t>2014/1/17</a:t>
+              <a:t>2014/1/20</a:t>
             </a:fld>
             <a:endParaRPr kumimoji="1" lang="ja-JP" altLang="en-US"/>
           </a:p>
@@ -10541,7 +10629,7 @@
           <a:p>
             <a:fld id="{764389B5-BBD8-4BB5-AA3B-F6D4F6020998}" type="datetimeFigureOut">
               <a:rPr kumimoji="1" lang="ja-JP" altLang="en-US" smtClean="0"/>
-              <a:t>2014/1/17</a:t>
+              <a:t>2014/1/20</a:t>
             </a:fld>
             <a:endParaRPr kumimoji="1" lang="ja-JP" altLang="en-US"/>
           </a:p>
@@ -10786,7 +10874,7 @@
           <a:p>
             <a:fld id="{764389B5-BBD8-4BB5-AA3B-F6D4F6020998}" type="datetimeFigureOut">
               <a:rPr kumimoji="1" lang="ja-JP" altLang="en-US" smtClean="0"/>
-              <a:t>2014/1/17</a:t>
+              <a:t>2014/1/20</a:t>
             </a:fld>
             <a:endParaRPr kumimoji="1" lang="ja-JP" altLang="en-US"/>
           </a:p>
@@ -11290,11 +11378,7 @@
           <a:p>
             <a:r>
               <a:rPr kumimoji="1" lang="ja-JP" altLang="en-US" sz="3600" dirty="0" smtClean="0"/>
-              <a:t>電子</a:t>
-            </a:r>
-            <a:r>
-              <a:rPr kumimoji="1" lang="ja-JP" altLang="en-US" sz="3600" dirty="0" smtClean="0"/>
-              <a:t>タグの役割</a:t>
+              <a:t>電子タグの役割</a:t>
             </a:r>
             <a:endParaRPr kumimoji="1" lang="ja-JP" altLang="en-US" sz="3600" dirty="0"/>
           </a:p>
@@ -11534,7 +11618,7 @@
             <p:ph idx="1"/>
             <p:extLst>
               <p:ext uri="{D42A27DB-BD31-4B8C-83A1-F6EECF244321}">
-                <p14:modId xmlns:p14="http://schemas.microsoft.com/office/powerpoint/2010/main" val="3375043551"/>
+                <p14:modId xmlns:p14="http://schemas.microsoft.com/office/powerpoint/2010/main" val="213134366"/>
               </p:ext>
             </p:extLst>
           </p:nvPr>
@@ -11587,10 +11671,6 @@
                     <a:lstStyle/>
                     <a:p>
                       <a:pPr algn="ctr"/>
-                      <a:r>
-                        <a:rPr kumimoji="1" lang="ja-JP" altLang="en-US" dirty="0" smtClean="0"/>
-                        <a:t>個体数</a:t>
-                      </a:r>
                       <a:endParaRPr kumimoji="1" lang="ja-JP" altLang="en-US" dirty="0"/>
                     </a:p>
                   </a:txBody>
@@ -11983,11 +12063,7 @@
           <a:p>
             <a:r>
               <a:rPr kumimoji="1" lang="ja-JP" altLang="en-US" dirty="0" smtClean="0"/>
-              <a:t>ウイルスのタグの長さに比べて、免疫機構のタグが短い場合でもオーバーラップによって十分な抗体を作ることができる</a:t>
-            </a:r>
-            <a:r>
-              <a:rPr kumimoji="1" lang="ja-JP" altLang="en-US" dirty="0" smtClean="0"/>
-              <a:t>。</a:t>
+              <a:t>ウイルスのタグの長さに比べて、免疫機構のタグが短い場合でもオーバーラップによって十分な抗体を作ることができる。</a:t>
             </a:r>
             <a:endParaRPr kumimoji="1" lang="en-US" altLang="ja-JP" dirty="0" smtClean="0"/>
           </a:p>
@@ -12096,11 +12172,7 @@
           <a:p>
             <a:r>
               <a:rPr kumimoji="1" lang="ja-JP" altLang="en-US" dirty="0" smtClean="0"/>
-              <a:t>病原体</a:t>
-            </a:r>
-            <a:r>
-              <a:rPr kumimoji="1" lang="ja-JP" altLang="en-US" dirty="0" smtClean="0"/>
-              <a:t>の広がりは数理疫学モデルによって表現されてきたが、抗体の広がりは十分に調べられていない。電子タグを用いることにより、抗体の社会的な広がりを表現したい。</a:t>
+              <a:t>病原体の広がりは数理疫学モデルによって表現されてきたが、抗体の広がりは十分に調べられていない。電子タグを用いることにより、抗体の社会的な広がりを表現したい。</a:t>
             </a:r>
             <a:endParaRPr kumimoji="1" lang="en-US" altLang="ja-JP" dirty="0" smtClean="0"/>
           </a:p>
@@ -12281,7 +12353,15 @@
             </a:r>
             <a:r>
               <a:rPr kumimoji="1" lang="ja-JP" altLang="en-US" dirty="0" smtClean="0"/>
-              <a:t>を構築する。</a:t>
+              <a:t>を</a:t>
+            </a:r>
+            <a:r>
+              <a:rPr lang="ja-JP" altLang="en-US" dirty="0" smtClean="0"/>
+              <a:t>用いて、感染症の周期的流行現象を解明する</a:t>
+            </a:r>
+            <a:r>
+              <a:rPr kumimoji="1" lang="ja-JP" altLang="en-US" dirty="0" smtClean="0"/>
+              <a:t>。</a:t>
             </a:r>
             <a:endParaRPr kumimoji="1" lang="en-US" altLang="ja-JP" dirty="0" smtClean="0"/>
           </a:p>
@@ -12891,26 +12971,14 @@
           <a:p>
             <a:r>
               <a:rPr kumimoji="1" lang="ja-JP" altLang="en-US" dirty="0" smtClean="0"/>
-              <a:t>微分</a:t>
-            </a:r>
+              <a:t>微分方程式モデルには免疫機構のメカニズムは組み込まれていない。</a:t>
+            </a:r>
+            <a:endParaRPr kumimoji="1" lang="en-US" altLang="ja-JP" dirty="0" smtClean="0"/>
+          </a:p>
+          <a:p>
             <a:r>
               <a:rPr kumimoji="1" lang="ja-JP" altLang="en-US" dirty="0" smtClean="0"/>
-              <a:t>方程式モデルには免疫機構のメカニズムは組み込まれていない。</a:t>
-            </a:r>
-            <a:endParaRPr kumimoji="1" lang="en-US" altLang="ja-JP" dirty="0" smtClean="0"/>
-          </a:p>
-          <a:p>
-            <a:r>
-              <a:rPr kumimoji="1" lang="ja-JP" altLang="en-US" dirty="0" smtClean="0"/>
-              <a:t>エージェントに電子タグを持たせることにより、</a:t>
-            </a:r>
-            <a:r>
-              <a:rPr kumimoji="1" lang="ja-JP" altLang="en-US" dirty="0" smtClean="0"/>
-              <a:t>免疫機構をモデル化することができる</a:t>
-            </a:r>
-            <a:r>
-              <a:rPr kumimoji="1" lang="ja-JP" altLang="en-US" dirty="0" smtClean="0"/>
-              <a:t>。</a:t>
+              <a:t>エージェントに電子タグを持たせることにより、免疫機構をモデル化することができる。</a:t>
             </a:r>
             <a:endParaRPr kumimoji="1" lang="en-US" altLang="ja-JP" dirty="0" smtClean="0"/>
           </a:p>
@@ -12994,8 +13062,16 @@
           <a:lstStyle/>
           <a:p>
             <a:r>
+              <a:rPr lang="en-US" altLang="ja-JP" sz="2000" dirty="0" smtClean="0"/>
+              <a:t>[1]</a:t>
+            </a:r>
+            <a:r>
+              <a:rPr lang="en-US" altLang="ja-JP" sz="2000" dirty="0" smtClean="0"/>
+              <a:t>Russell </a:t>
+            </a:r>
+            <a:r>
               <a:rPr lang="en-US" altLang="ja-JP" sz="2000" dirty="0"/>
-              <a:t>Russell Connell, Peter </a:t>
+              <a:t>Connell, Peter </a:t>
             </a:r>
             <a:r>
               <a:rPr lang="en-US" altLang="ja-JP" sz="2000" dirty="0" smtClean="0"/>
@@ -13011,7 +13087,7 @@
             </a:r>
             <a:r>
               <a:rPr lang="en-US" altLang="ja-JP" sz="2000" dirty="0" smtClean="0"/>
-              <a:t>:”Comparison </a:t>
+              <a:t>, Comparison </a:t>
             </a:r>
             <a:r>
               <a:rPr lang="en-US" altLang="ja-JP" sz="2000" dirty="0"/>
@@ -13043,29 +13119,38 @@
             </a:r>
             <a:r>
               <a:rPr lang="en-US" altLang="ja-JP" sz="2000" dirty="0" smtClean="0"/>
-              <a:t>Model”</a:t>
-            </a:r>
-          </a:p>
-          <a:p>
+              <a:t>Model, Defense Science and Technology </a:t>
+            </a:r>
+            <a:r>
+              <a:rPr lang="en-US" altLang="ja-JP" sz="2000" dirty="0" err="1" smtClean="0"/>
+              <a:t>Orgnisation</a:t>
+            </a:r>
             <a:r>
               <a:rPr lang="en-US" altLang="ja-JP" sz="2000" dirty="0" smtClean="0"/>
-              <a:t>Enrique </a:t>
-            </a:r>
-            <a:r>
-              <a:rPr lang="en-US" altLang="ja-JP" sz="2000" dirty="0" err="1" smtClean="0"/>
-              <a:t>Fr´ıas-Mart´ınez</a:t>
-            </a:r>
+              <a:t>, Technical Report, 2009, AR-014-617.</a:t>
+            </a:r>
+            <a:endParaRPr lang="en-US" altLang="ja-JP" sz="2000" dirty="0" smtClean="0"/>
+          </a:p>
+          <a:p>
             <a:r>
               <a:rPr lang="en-US" altLang="ja-JP" sz="2000" dirty="0" smtClean="0"/>
-              <a:t> z, Graham Williamson , Vanessa </a:t>
-            </a:r>
-            <a:r>
-              <a:rPr lang="en-US" altLang="ja-JP" sz="2000" dirty="0" err="1" smtClean="0"/>
-              <a:t>Fr´ıas-Mart´ınez</a:t>
+              <a:t>[2]Enrique Frias-Martinez </a:t>
             </a:r>
             <a:r>
               <a:rPr lang="en-US" altLang="ja-JP" sz="2000" dirty="0" smtClean="0"/>
-              <a:t>:” </a:t>
+              <a:t>z, Graham Williamson , Vanessa </a:t>
+            </a:r>
+            <a:r>
+              <a:rPr lang="en-US" altLang="ja-JP" sz="2000" dirty="0" smtClean="0"/>
+              <a:t>Frias-Martinez</a:t>
+            </a:r>
+            <a:r>
+              <a:rPr lang="en-US" altLang="ja-JP" sz="2000" dirty="0"/>
+              <a:t>,</a:t>
+            </a:r>
+            <a:r>
+              <a:rPr lang="en-US" altLang="ja-JP" sz="2000" dirty="0" smtClean="0"/>
+              <a:t> </a:t>
             </a:r>
             <a:r>
               <a:rPr lang="en-US" altLang="ja-JP" sz="2000" dirty="0"/>
@@ -13080,9 +13165,34 @@
               <a:t>Social Network </a:t>
             </a:r>
             <a:r>
+              <a:rPr lang="en-US" altLang="ja-JP" sz="2000" dirty="0"/>
+              <a:t>Information, Privacy, Security, Risk and Trust (PASSAT), </a:t>
+            </a:r>
+            <a:r>
+              <a:rPr lang="en-US" altLang="ja-JP" sz="2000" i="1" dirty="0"/>
+              <a:t>2011 IEEE Third International Conference on and 2011 IEEE Third International </a:t>
+            </a:r>
+            <a:r>
+              <a:rPr lang="en-US" altLang="ja-JP" sz="2000" i="1" dirty="0" err="1"/>
+              <a:t>Confernece</a:t>
+            </a:r>
+            <a:r>
+              <a:rPr lang="en-US" altLang="ja-JP" sz="2000" i="1" dirty="0"/>
+              <a:t> on Social Computing (</a:t>
+            </a:r>
+            <a:r>
+              <a:rPr lang="en-US" altLang="ja-JP" sz="2000" i="1" dirty="0" err="1" smtClean="0"/>
+              <a:t>SocialCom</a:t>
+            </a:r>
+            <a:r>
+              <a:rPr lang="en-US" altLang="ja-JP" sz="2000" i="1" dirty="0" smtClean="0"/>
+              <a:t>)</a:t>
+            </a:r>
+            <a:r>
               <a:rPr lang="en-US" altLang="ja-JP" sz="2000" dirty="0" smtClean="0"/>
-              <a:t>Information”</a:t>
-            </a:r>
+              <a:t>, 9-11 Oct 2011, P57-64.</a:t>
+            </a:r>
+            <a:endParaRPr lang="en-US" altLang="ja-JP" sz="2000" dirty="0" smtClean="0"/>
           </a:p>
         </p:txBody>
       </p:sp>
@@ -13165,19 +13275,11 @@
           <a:p>
             <a:r>
               <a:rPr lang="ja-JP" altLang="en-US" dirty="0" smtClean="0"/>
-              <a:t>伝染病の</a:t>
-            </a:r>
-            <a:r>
-              <a:rPr lang="ja-JP" altLang="en-US" dirty="0" smtClean="0"/>
-              <a:t>流行</a:t>
+              <a:t>伝染病の流行</a:t>
             </a:r>
             <a:r>
               <a:rPr kumimoji="1" lang="ja-JP" altLang="en-US" dirty="0" smtClean="0"/>
-              <a:t>を数理</a:t>
-            </a:r>
-            <a:r>
-              <a:rPr kumimoji="1" lang="ja-JP" altLang="en-US" dirty="0" smtClean="0"/>
-              <a:t>モデルを用いて解析する応用数学の一分野</a:t>
+              <a:t>を数理モデルを用いて解析する応用数学の一分野</a:t>
             </a:r>
             <a:endParaRPr kumimoji="1" lang="en-US" altLang="ja-JP" dirty="0" smtClean="0"/>
           </a:p>
@@ -13188,28 +13290,40 @@
             </a:r>
             <a:r>
               <a:rPr lang="ja-JP" altLang="en-US" dirty="0" smtClean="0"/>
-              <a:t>に用いられる数学的道具</a:t>
+              <a:t>に用いられる数学的</a:t>
+            </a:r>
+            <a:r>
+              <a:rPr lang="ja-JP" altLang="en-US" dirty="0" smtClean="0"/>
+              <a:t>道具</a:t>
+            </a:r>
+            <a:r>
+              <a:rPr lang="ja-JP" altLang="en-US" dirty="0"/>
+              <a:t>は</a:t>
             </a:r>
             <a:endParaRPr lang="en-US" altLang="ja-JP" dirty="0" smtClean="0"/>
           </a:p>
           <a:p>
             <a:r>
               <a:rPr kumimoji="1" lang="ja-JP" altLang="en-US" dirty="0" smtClean="0"/>
-              <a:t>微分方程式</a:t>
+              <a:t>１．微分</a:t>
+            </a:r>
+            <a:r>
+              <a:rPr kumimoji="1" lang="ja-JP" altLang="en-US" dirty="0" smtClean="0"/>
+              <a:t>方程式</a:t>
             </a:r>
             <a:endParaRPr kumimoji="1" lang="en-US" altLang="ja-JP" dirty="0" smtClean="0"/>
           </a:p>
           <a:p>
             <a:r>
               <a:rPr lang="ja-JP" altLang="en-US" dirty="0" smtClean="0"/>
-              <a:t>確率過程論</a:t>
+              <a:t>２．確率過程</a:t>
             </a:r>
             <a:endParaRPr lang="en-US" altLang="ja-JP" dirty="0"/>
           </a:p>
           <a:p>
             <a:r>
               <a:rPr lang="ja-JP" altLang="en-US" dirty="0" smtClean="0"/>
-              <a:t>ＡＢＭ</a:t>
+              <a:t>３．ＡＢＭ</a:t>
             </a:r>
             <a:endParaRPr lang="en-US" altLang="ja-JP" dirty="0" smtClean="0"/>
           </a:p>
@@ -13271,11 +13385,7 @@
           <a:p>
             <a:r>
               <a:rPr kumimoji="1" lang="en-US" altLang="ja-JP" sz="4000" dirty="0" smtClean="0"/>
-              <a:t>Agent Based Epidemic </a:t>
-            </a:r>
-            <a:r>
-              <a:rPr kumimoji="1" lang="en-US" altLang="ja-JP" sz="4000" dirty="0" smtClean="0"/>
-              <a:t>Model</a:t>
+              <a:t>Agent Based Epidemic Model</a:t>
             </a:r>
             <a:endParaRPr kumimoji="1" lang="ja-JP" altLang="en-US" sz="4000" dirty="0"/>
           </a:p>
@@ -13308,7 +13418,35 @@
             </a:r>
             <a:r>
               <a:rPr lang="ja-JP" altLang="en-US" dirty="0" smtClean="0"/>
-              <a:t>各エージェントに免疫機構を組み込むことにより、個体レベルで起きる抗原抗体反応や免疫の喪失現象が与える疫学的効果を表現することができる</a:t>
+              <a:t>各エージェントの個体</a:t>
+            </a:r>
+            <a:r>
+              <a:rPr lang="ja-JP" altLang="en-US" dirty="0" smtClean="0"/>
+              <a:t>レベルで</a:t>
+            </a:r>
+            <a:r>
+              <a:rPr lang="ja-JP" altLang="en-US" dirty="0" smtClean="0"/>
+              <a:t>起きる生体反応（抗原</a:t>
+            </a:r>
+            <a:r>
+              <a:rPr lang="ja-JP" altLang="en-US" dirty="0" smtClean="0"/>
+              <a:t>抗体</a:t>
+            </a:r>
+            <a:r>
+              <a:rPr lang="ja-JP" altLang="en-US" dirty="0" smtClean="0"/>
+              <a:t>反応、免疫</a:t>
+            </a:r>
+            <a:r>
+              <a:rPr lang="ja-JP" altLang="en-US" dirty="0" smtClean="0"/>
+              <a:t>の喪失</a:t>
+            </a:r>
+            <a:r>
+              <a:rPr lang="ja-JP" altLang="en-US" dirty="0" smtClean="0"/>
+              <a:t>現象）が</a:t>
+            </a:r>
+            <a:r>
+              <a:rPr lang="ja-JP" altLang="en-US" dirty="0" smtClean="0"/>
+              <a:t>与える疫学的効果を表現することができる</a:t>
             </a:r>
             <a:endParaRPr lang="en-US" altLang="ja-JP" dirty="0" smtClean="0"/>
           </a:p>
@@ -13701,7 +13839,7 @@
             <a:pPr algn="ctr"/>
             <a:r>
               <a:rPr kumimoji="1" lang="ja-JP" altLang="en-US" b="1" dirty="0" smtClean="0"/>
-              <a:t>接触</a:t>
+              <a:t>感染</a:t>
             </a:r>
             <a:endParaRPr kumimoji="1" lang="ja-JP" altLang="en-US" b="1" dirty="0"/>
           </a:p>
@@ -13751,7 +13889,7 @@
             <a:pPr algn="ctr"/>
             <a:r>
               <a:rPr kumimoji="1" lang="ja-JP" altLang="en-US" b="1" dirty="0" smtClean="0"/>
-              <a:t>感染</a:t>
+              <a:t>抗原との接触</a:t>
             </a:r>
             <a:endParaRPr kumimoji="1" lang="ja-JP" altLang="en-US" b="1" dirty="0"/>
           </a:p>
@@ -13801,7 +13939,7 @@
             <a:pPr algn="ctr"/>
             <a:r>
               <a:rPr kumimoji="1" lang="ja-JP" altLang="en-US" b="1" dirty="0" smtClean="0"/>
-              <a:t>免疫応答</a:t>
+              <a:t>免疫獲得</a:t>
             </a:r>
             <a:endParaRPr kumimoji="1" lang="ja-JP" altLang="en-US" b="1" dirty="0"/>
           </a:p>
@@ -14264,19 +14402,7 @@
             </a:r>
             <a:r>
               <a:rPr lang="ja-JP" altLang="en-US" dirty="0" smtClean="0"/>
-              <a:t>は通常、細菌や</a:t>
-            </a:r>
-            <a:r>
-              <a:rPr lang="ja-JP" altLang="en-US" dirty="0" smtClean="0"/>
-              <a:t>ウイルス、注射</a:t>
-            </a:r>
-            <a:r>
-              <a:rPr lang="ja-JP" altLang="en-US" dirty="0" smtClean="0"/>
-              <a:t>などで体内に入るたんぱく</a:t>
-            </a:r>
-            <a:r>
-              <a:rPr lang="ja-JP" altLang="en-US" dirty="0" smtClean="0"/>
-              <a:t>質のこと</a:t>
+              <a:t>は通常、細菌やウイルス、注射などで体内に入るたんぱく質のこと</a:t>
             </a:r>
             <a:endParaRPr lang="en-US" altLang="ja-JP" dirty="0" smtClean="0"/>
           </a:p>
@@ -14370,7 +14496,15 @@
           <a:p>
             <a:r>
               <a:rPr kumimoji="1" lang="ja-JP" altLang="en-US" dirty="0" smtClean="0"/>
-              <a:t>抗原や抗体が持つ塩基配列を電子タグを用いてモデル化する</a:t>
+              <a:t>抗原や抗体が持つ塩基配列を電子</a:t>
+            </a:r>
+            <a:r>
+              <a:rPr kumimoji="1" lang="ja-JP" altLang="en-US" dirty="0" smtClean="0"/>
+              <a:t>タグ</a:t>
+            </a:r>
+            <a:r>
+              <a:rPr lang="ja-JP" altLang="en-US" dirty="0" smtClean="0"/>
+              <a:t>で表す</a:t>
             </a:r>
             <a:endParaRPr kumimoji="1" lang="ja-JP" altLang="en-US" dirty="0"/>
           </a:p>
